--- a/HCCJP_67/ADに依存しないクラスタの世界へ_On-PremからAzureLocalまで(前半).pptx
+++ b/HCCJP_67/ADに依存しないクラスタの世界へ_On-PremからAzureLocalまで(前半).pptx
@@ -142,6 +142,33 @@
           <inkml:channel name="X" type="integer" min="-2.14748E9" max="2.14748E9" units="cm"/>
           <inkml:channel name="Y" type="integer" min="-2.14748E9" max="2.14748E9" units="cm"/>
           <inkml:channel name="F" type="integer" max="32767" units="dev"/>
+        </inkml:traceFormat>
+        <inkml:channelProperties>
+          <inkml:channelProperty channel="X" name="resolution" value="1000" units="1/cm"/>
+          <inkml:channelProperty channel="Y" name="resolution" value="1000" units="1/cm"/>
+          <inkml:channelProperty channel="F" name="resolution" value="0" units="1/dev"/>
+        </inkml:channelProperties>
+      </inkml:inkSource>
+      <inkml:timestamp xml:id="ts0" timeString="2025-11-14T05:25:33.425"/>
+    </inkml:context>
+    <inkml:brush xml:id="br0">
+      <inkml:brushProperty name="width" value="0.05" units="cm"/>
+      <inkml:brushProperty name="height" value="0.05" units="cm"/>
+    </inkml:brush>
+  </inkml:definitions>
+  <inkml:trace contextRef="#ctx0" brushRef="#br0">0 1 24575</inkml:trace>
+</inkml:ink>
+</file>
+
+<file path=ppt/ink/ink2.xml><?xml version="1.0" encoding="utf-8"?>
+<inkml:ink xmlns:inkml="http://www.w3.org/2003/InkML">
+  <inkml:definitions>
+    <inkml:context xml:id="ctx0">
+      <inkml:inkSource xml:id="inkSrc0">
+        <inkml:traceFormat>
+          <inkml:channel name="X" type="integer" min="-2.14748E9" max="2.14748E9" units="cm"/>
+          <inkml:channel name="Y" type="integer" min="-2.14748E9" max="2.14748E9" units="cm"/>
+          <inkml:channel name="F" type="integer" max="32767" units="dev"/>
           <inkml:channel name="OA" type="integer" max="360" units="deg"/>
           <inkml:channel name="OE" type="integer" max="90" units="deg"/>
         </inkml:traceFormat>
@@ -153,14 +180,14 @@
           <inkml:channelProperty channel="OE" name="resolution" value="1000" units="1/deg"/>
         </inkml:channelProperties>
       </inkml:inkSource>
-      <inkml:timestamp xml:id="ts0" timeString="2025-11-13T02:04:08.879"/>
+      <inkml:timestamp xml:id="ts0" timeString="2025-11-14T05:26:06.714"/>
     </inkml:context>
     <inkml:brush xml:id="br0">
-      <inkml:brushProperty name="width" value="0.035" units="cm"/>
-      <inkml:brushProperty name="height" value="0.035" units="cm"/>
+      <inkml:brushProperty name="width" value="0.05" units="cm"/>
+      <inkml:brushProperty name="height" value="0.05" units="cm"/>
     </inkml:brush>
   </inkml:definitions>
-  <inkml:trace contextRef="#ctx0" brushRef="#br0">1 0 80 0 0,'0'0'-32'0'0</inkml:trace>
+  <inkml:trace contextRef="#ctx0" brushRef="#br0">0 1 16 0 0,'0'0'60'0'0</inkml:trace>
 </inkml:ink>
 </file>
 
@@ -590,6 +617,90 @@
           <a:bodyPr/>
           <a:lstStyle/>
           <a:p>
+            <a:endParaRPr lang="en-US" dirty="0"/>
+          </a:p>
+        </p:txBody>
+      </p:sp>
+      <p:sp>
+        <p:nvSpPr>
+          <p:cNvPr id="4" name="スライド番号プレースホルダー 3"/>
+          <p:cNvSpPr>
+            <a:spLocks noGrp="1"/>
+          </p:cNvSpPr>
+          <p:nvPr>
+            <p:ph type="sldNum" sz="quarter" idx="5"/>
+          </p:nvPr>
+        </p:nvSpPr>
+        <p:spPr/>
+        <p:txBody>
+          <a:bodyPr/>
+          <a:lstStyle/>
+          <a:p>
+            <a:fld id="{3242B17C-607B-40DC-A731-09962E9CAE09}" type="slidenum">
+              <a:rPr lang="en-US" smtClean="0"/>
+              <a:t>1</a:t>
+            </a:fld>
+            <a:endParaRPr lang="en-US"/>
+          </a:p>
+        </p:txBody>
+      </p:sp>
+    </p:spTree>
+    <p:extLst>
+      <p:ext uri="{BB962C8B-B14F-4D97-AF65-F5344CB8AC3E}">
+        <p14:creationId xmlns:p14="http://schemas.microsoft.com/office/powerpoint/2010/main" val="4006139320"/>
+      </p:ext>
+    </p:extLst>
+  </p:cSld>
+  <p:clrMapOvr>
+    <a:masterClrMapping/>
+  </p:clrMapOvr>
+</p:notes>
+</file>
+
+<file path=ppt/notesSlides/notesSlide2.xml><?xml version="1.0" encoding="utf-8"?>
+<p:notes xmlns:a="http://schemas.openxmlformats.org/drawingml/2006/main" xmlns:r="http://schemas.openxmlformats.org/officeDocument/2006/relationships" xmlns:p="http://schemas.openxmlformats.org/presentationml/2006/main">
+  <p:cSld>
+    <p:spTree>
+      <p:nvGrpSpPr>
+        <p:cNvPr id="1" name=""/>
+        <p:cNvGrpSpPr/>
+        <p:nvPr/>
+      </p:nvGrpSpPr>
+      <p:grpSpPr>
+        <a:xfrm>
+          <a:off x="0" y="0"/>
+          <a:ext cx="0" cy="0"/>
+          <a:chOff x="0" y="0"/>
+          <a:chExt cx="0" cy="0"/>
+        </a:xfrm>
+      </p:grpSpPr>
+      <p:sp>
+        <p:nvSpPr>
+          <p:cNvPr id="2" name="スライド イメージ プレースホルダー 1"/>
+          <p:cNvSpPr>
+            <a:spLocks noGrp="1" noRot="1" noChangeAspect="1"/>
+          </p:cNvSpPr>
+          <p:nvPr>
+            <p:ph type="sldImg"/>
+          </p:nvPr>
+        </p:nvSpPr>
+        <p:spPr/>
+      </p:sp>
+      <p:sp>
+        <p:nvSpPr>
+          <p:cNvPr id="3" name="ノート プレースホルダー 2"/>
+          <p:cNvSpPr>
+            <a:spLocks noGrp="1"/>
+          </p:cNvSpPr>
+          <p:nvPr>
+            <p:ph type="body" idx="1"/>
+          </p:nvPr>
+        </p:nvSpPr>
+        <p:spPr/>
+        <p:txBody>
+          <a:bodyPr/>
+          <a:lstStyle/>
+          <a:p>
             <a:endParaRPr kumimoji="1" lang="ja-JP" altLang="en-US" dirty="0"/>
           </a:p>
         </p:txBody>
@@ -690,7 +801,7 @@
 </p:notes>
 </file>
 
-<file path=ppt/notesSlides/notesSlide2.xml><?xml version="1.0" encoding="utf-8"?>
+<file path=ppt/notesSlides/notesSlide3.xml><?xml version="1.0" encoding="utf-8"?>
 <p:notes xmlns:a="http://schemas.openxmlformats.org/drawingml/2006/main" xmlns:r="http://schemas.openxmlformats.org/officeDocument/2006/relationships" xmlns:p="http://schemas.openxmlformats.org/presentationml/2006/main">
   <p:cSld>
     <p:spTree>
@@ -859,7 +970,7 @@
 </p:notes>
 </file>
 
-<file path=ppt/notesSlides/notesSlide3.xml><?xml version="1.0" encoding="utf-8"?>
+<file path=ppt/notesSlides/notesSlide4.xml><?xml version="1.0" encoding="utf-8"?>
 <p:notes xmlns:a="http://schemas.openxmlformats.org/drawingml/2006/main" xmlns:r="http://schemas.openxmlformats.org/officeDocument/2006/relationships" xmlns:p="http://schemas.openxmlformats.org/presentationml/2006/main">
   <p:cSld>
     <p:spTree>
@@ -5971,7 +6082,7 @@
           <p:nvPr/>
         </p:nvPicPr>
         <p:blipFill>
-          <a:blip r:embed="rId2"/>
+          <a:blip r:embed="rId3"/>
           <a:stretch/>
         </p:blipFill>
         <p:spPr>
@@ -23067,7 +23178,7 @@
           <a:lstStyle/>
           <a:p>
             <a:r>
-              <a:rPr lang="ja-JP" sz="1750" b="1" u="none" strike="noStrike">
+              <a:rPr lang="ja-JP" sz="1750" b="1" u="none" strike="noStrike" dirty="0">
                 <a:solidFill>
                   <a:srgbClr val="455A64"/>
                 </a:solidFill>
@@ -23079,7 +23190,7 @@
               <a:t>複数のノード</a:t>
             </a:r>
             <a:r>
-              <a:rPr lang="ja-JP" sz="1750" b="0" u="none" strike="noStrike">
+              <a:rPr lang="ja-JP" sz="1750" b="0" u="none" strike="noStrike" dirty="0">
                 <a:solidFill>
                   <a:srgbClr val="455A64"/>
                 </a:solidFill>
@@ -23090,7 +23201,7 @@
               </a:rPr>
               <a:t>を連携させてサービスを提供</a:t>
             </a:r>
-            <a:endParaRPr lang="en-US" sz="1750" b="0" u="none" strike="noStrike">
+            <a:endParaRPr lang="en-US" sz="1750" b="0" u="none" strike="noStrike" dirty="0">
               <a:solidFill>
                 <a:srgbClr val="000000"/>
               </a:solidFill>
@@ -24135,14 +24246,14 @@
           </a:p>
         </p:txBody>
       </p:sp>
-      <mc:AlternateContent xmlns:mc="http://schemas.openxmlformats.org/markup-compatibility/2006" xmlns:p14="http://schemas.microsoft.com/office/powerpoint/2010/main">
-        <mc:Choice Requires="p14">
+      <mc:AlternateContent xmlns:mc="http://schemas.openxmlformats.org/markup-compatibility/2006">
+        <mc:Choice xmlns:p14="http://schemas.microsoft.com/office/powerpoint/2010/main" Requires="p14">
           <p:contentPart p14:bwMode="auto" r:id="rId3">
             <p14:nvContentPartPr>
-              <p14:cNvPr id="18" name="インク 17">
+              <p14:cNvPr id="2" name="インク 1">
                 <a:extLst>
                   <a:ext uri="{FF2B5EF4-FFF2-40B4-BE49-F238E27FC236}">
-                    <a16:creationId xmlns:a16="http://schemas.microsoft.com/office/drawing/2014/main" id="{F04BE82A-D1D7-3E2D-7552-2AA59D4D5FBE}"/>
+                    <a16:creationId xmlns:a16="http://schemas.microsoft.com/office/drawing/2014/main" id="{76D38FCE-8CA5-1601-5A51-FEFC9CEEA7B9}"/>
                   </a:ext>
                 </a:extLst>
               </p14:cNvPr>
@@ -24150,18 +24261,18 @@
               <p14:nvPr/>
             </p14:nvContentPartPr>
             <p14:xfrm>
-              <a:off x="6582651" y="589097"/>
+              <a:off x="-38349" y="4302057"/>
               <a:ext cx="360" cy="360"/>
             </p14:xfrm>
           </p:contentPart>
         </mc:Choice>
-        <mc:Fallback xmlns="">
+        <mc:Fallback>
           <p:pic>
             <p:nvPicPr>
-              <p:cNvPr id="18" name="インク 17">
+              <p:cNvPr id="2" name="インク 1">
                 <a:extLst>
                   <a:ext uri="{FF2B5EF4-FFF2-40B4-BE49-F238E27FC236}">
-                    <a16:creationId xmlns:a16="http://schemas.microsoft.com/office/drawing/2014/main" id="{F04BE82A-D1D7-3E2D-7552-2AA59D4D5FBE}"/>
+                    <a16:creationId xmlns:a16="http://schemas.microsoft.com/office/drawing/2014/main" id="{76D38FCE-8CA5-1601-5A51-FEFC9CEEA7B9}"/>
                   </a:ext>
                 </a:extLst>
               </p:cNvPr>
@@ -24176,8 +24287,59 @@
             </p:blipFill>
             <p:spPr>
               <a:xfrm>
-                <a:off x="6576531" y="582977"/>
-                <a:ext cx="12600" cy="12600"/>
+                <a:off x="-47349" y="4293417"/>
+                <a:ext cx="18000" cy="18000"/>
+              </a:xfrm>
+              <a:prstGeom prst="rect">
+                <a:avLst/>
+              </a:prstGeom>
+            </p:spPr>
+          </p:pic>
+        </mc:Fallback>
+      </mc:AlternateContent>
+      <mc:AlternateContent xmlns:mc="http://schemas.openxmlformats.org/markup-compatibility/2006">
+        <mc:Choice xmlns:p14="http://schemas.microsoft.com/office/powerpoint/2010/main" Requires="p14">
+          <p:contentPart p14:bwMode="auto" r:id="rId5">
+            <p14:nvContentPartPr>
+              <p14:cNvPr id="40" name="インク 39">
+                <a:extLst>
+                  <a:ext uri="{FF2B5EF4-FFF2-40B4-BE49-F238E27FC236}">
+                    <a16:creationId xmlns:a16="http://schemas.microsoft.com/office/drawing/2014/main" id="{E3D45795-DF2D-C026-7974-05209D8AD9B4}"/>
+                  </a:ext>
+                </a:extLst>
+              </p14:cNvPr>
+              <p14:cNvContentPartPr/>
+              <p14:nvPr/>
+            </p14:nvContentPartPr>
+            <p14:xfrm>
+              <a:off x="10187451" y="1696017"/>
+              <a:ext cx="360" cy="360"/>
+            </p14:xfrm>
+          </p:contentPart>
+        </mc:Choice>
+        <mc:Fallback>
+          <p:pic>
+            <p:nvPicPr>
+              <p:cNvPr id="40" name="インク 39">
+                <a:extLst>
+                  <a:ext uri="{FF2B5EF4-FFF2-40B4-BE49-F238E27FC236}">
+                    <a16:creationId xmlns:a16="http://schemas.microsoft.com/office/drawing/2014/main" id="{E3D45795-DF2D-C026-7974-05209D8AD9B4}"/>
+                  </a:ext>
+                </a:extLst>
+              </p:cNvPr>
+              <p:cNvPicPr/>
+              <p:nvPr/>
+            </p:nvPicPr>
+            <p:blipFill>
+              <a:blip r:embed="rId4"/>
+              <a:stretch>
+                <a:fillRect/>
+              </a:stretch>
+            </p:blipFill>
+            <p:spPr>
+              <a:xfrm>
+                <a:off x="10178451" y="1687377"/>
+                <a:ext cx="18000" cy="18000"/>
               </a:xfrm>
               <a:prstGeom prst="rect">
                 <a:avLst/>
@@ -25648,7 +25810,7 @@
           <a:lstStyle/>
           <a:p>
             <a:r>
-              <a:rPr lang="ja-JP" sz="1950" b="1" u="none" strike="noStrike">
+              <a:rPr lang="ja-JP" sz="1950" b="1" u="none" strike="noStrike" dirty="0">
                 <a:solidFill>
                   <a:srgbClr val="455A64"/>
                 </a:solidFill>
@@ -25660,7 +25822,7 @@
               <a:t>問題点</a:t>
             </a:r>
             <a:r>
-              <a:rPr lang="en-US" sz="1950" b="0" u="none" strike="noStrike">
+              <a:rPr lang="en-US" sz="1950" b="0" u="none" strike="noStrike" dirty="0">
                 <a:solidFill>
                   <a:srgbClr val="455A64"/>
                 </a:solidFill>
@@ -25672,7 +25834,7 @@
               <a:t>: </a:t>
             </a:r>
             <a:r>
-              <a:rPr lang="ja-JP" sz="1950" b="0" u="none" strike="noStrike">
+              <a:rPr lang="ja-JP" sz="1950" b="0" u="none" strike="noStrike" dirty="0">
                 <a:solidFill>
                   <a:srgbClr val="455A64"/>
                 </a:solidFill>
@@ -25684,7 +25846,7 @@
               <a:t>⼩規模環境やエッジでは</a:t>
             </a:r>
             <a:r>
-              <a:rPr lang="en-US" sz="1950" b="0" u="none" strike="noStrike">
+              <a:rPr lang="en-US" sz="1950" b="0" u="none" strike="noStrike" dirty="0">
                 <a:solidFill>
                   <a:srgbClr val="455A64"/>
                 </a:solidFill>
@@ -25696,7 +25858,7 @@
               <a:t>AD</a:t>
             </a:r>
             <a:r>
-              <a:rPr lang="ja-JP" sz="1950" b="0" u="none" strike="noStrike">
+              <a:rPr lang="ja-JP" sz="1950" b="0" u="none" strike="noStrike" dirty="0">
                 <a:solidFill>
                   <a:srgbClr val="455A64"/>
                 </a:solidFill>
@@ -25707,7 +25869,7 @@
               </a:rPr>
               <a:t>構築が負担に</a:t>
             </a:r>
-            <a:endParaRPr lang="en-US" sz="1950" b="0" u="none" strike="noStrike">
+            <a:endParaRPr lang="en-US" sz="1950" b="0" u="none" strike="noStrike" dirty="0">
               <a:solidFill>
                 <a:srgbClr val="000000"/>
               </a:solidFill>
